--- a/Présentation1.pptx
+++ b/Présentation1.pptx
@@ -3947,14 +3947,14 @@
       </p:grpSpPr>
       <p:sp>
         <p:nvSpPr>
-          <p:cNvPr id="4" name="ZoneTexte 3"/>
+          <p:cNvPr id="2" name="ZoneTexte 1"/>
           <p:cNvSpPr txBox="1"/>
           <p:nvPr/>
         </p:nvSpPr>
         <p:spPr>
           <a:xfrm>
-            <a:off x="323528" y="476672"/>
-            <a:ext cx="1152880" cy="369332"/>
+            <a:off x="604752" y="260648"/>
+            <a:ext cx="2978701" cy="369332"/>
           </a:xfrm>
           <a:prstGeom prst="rect">
             <a:avLst/>
@@ -3968,8 +3968,54 @@
           <a:lstStyle/>
           <a:p>
             <a:r>
-              <a:rPr lang="fr-FR" b="1" smtClean="0"/>
-              <a:t>Utilisation </a:t>
+              <a:rPr lang="fr-FR" dirty="0" smtClean="0"/>
+              <a:t>Outil nécessaire pour l’</a:t>
+            </a:r>
+            <a:r>
+              <a:rPr lang="fr-FR" dirty="0" err="1" smtClean="0"/>
+              <a:t>éxecution</a:t>
+            </a:r>
+            <a:r>
+              <a:rPr lang="fr-FR" dirty="0" smtClean="0"/>
+              <a:t> </a:t>
+            </a:r>
+            <a:endParaRPr lang="fr-FR" dirty="0"/>
+          </a:p>
+        </p:txBody>
+      </p:sp>
+      <p:sp>
+        <p:nvSpPr>
+          <p:cNvPr id="5" name="ZoneTexte 4"/>
+          <p:cNvSpPr txBox="1"/>
+          <p:nvPr/>
+        </p:nvSpPr>
+        <p:spPr>
+          <a:xfrm>
+            <a:off x="323528" y="1124744"/>
+            <a:ext cx="3259925" cy="369332"/>
+          </a:xfrm>
+          <a:prstGeom prst="rect">
+            <a:avLst/>
+          </a:prstGeom>
+          <a:noFill/>
+        </p:spPr>
+        <p:txBody>
+          <a:bodyPr wrap="square" rtlCol="0">
+            <a:spAutoFit/>
+          </a:bodyPr>
+          <a:lstStyle/>
+          <a:p>
+            <a:r>
+              <a:rPr lang="fr-FR" b="1" dirty="0" smtClean="0"/>
+              <a:t>Utilisation du compilateur </a:t>
+            </a:r>
+            <a:r>
+              <a:rPr lang="fr-FR" b="1" dirty="0" err="1" smtClean="0"/>
+              <a:t>Gcc</a:t>
+            </a:r>
+            <a:r>
+              <a:rPr lang="fr-FR" b="1" dirty="0" smtClean="0"/>
+              <a:t> </a:t>
             </a:r>
             <a:endParaRPr lang="fr-FR" dirty="0"/>
           </a:p>
